--- a/output/Apresentação.pptx
+++ b/output/Apresentação.pptx
@@ -201,6 +201,7 @@
           <a:p>
             <a:fld id="{2C7D92EB-EF83-416D-933B-E8DB777BE9BC}" type="datetimeFigureOut">
               <a:rPr lang="pt-BR" smtClean="0"/>
+              <a:pPr/>
               <a:t>19/01/2024</a:t>
             </a:fld>
             <a:endParaRPr lang="pt-BR"/>
@@ -362,6 +363,7 @@
           <a:p>
             <a:fld id="{962C45C2-822F-4D2C-8BE4-0C601EA1983B}" type="slidenum">
               <a:rPr lang="pt-BR" smtClean="0"/>
+              <a:pPr/>
               <a:t>‹nº›</a:t>
             </a:fld>
             <a:endParaRPr lang="pt-BR"/>
@@ -647,6 +649,7 @@
           <a:p>
             <a:fld id="{1F3F7EA4-8661-4308-BCCB-63375D5CE9F3}" type="datetime1">
               <a:rPr lang="pt-BR" smtClean="0"/>
+              <a:pPr/>
               <a:t>19/01/2024</a:t>
             </a:fld>
             <a:endParaRPr lang="pt-BR"/>
@@ -817,6 +820,7 @@
           <a:p>
             <a:fld id="{1FE5722C-4FE0-4F3B-9A17-5330B21872A3}" type="datetime1">
               <a:rPr lang="pt-BR" smtClean="0"/>
+              <a:pPr/>
               <a:t>19/01/2024</a:t>
             </a:fld>
             <a:endParaRPr lang="pt-BR"/>
@@ -997,6 +1001,7 @@
           <a:p>
             <a:fld id="{159D148F-45E2-4237-B04B-538267FC9654}" type="datetime1">
               <a:rPr lang="pt-BR" smtClean="0"/>
+              <a:pPr/>
               <a:t>19/01/2024</a:t>
             </a:fld>
             <a:endParaRPr lang="pt-BR"/>
@@ -1167,6 +1172,7 @@
           <a:p>
             <a:fld id="{568AA3FE-EDA2-4A9F-9F80-43DFE8233FE7}" type="datetime1">
               <a:rPr lang="pt-BR" smtClean="0"/>
+              <a:pPr/>
               <a:t>19/01/2024</a:t>
             </a:fld>
             <a:endParaRPr lang="pt-BR"/>
@@ -1413,6 +1419,7 @@
           <a:p>
             <a:fld id="{BAB3A0E4-07AC-4644-9397-9F681232D017}" type="datetime1">
               <a:rPr lang="pt-BR" smtClean="0"/>
+              <a:pPr/>
               <a:t>19/01/2024</a:t>
             </a:fld>
             <a:endParaRPr lang="pt-BR"/>
@@ -1701,6 +1708,7 @@
           <a:p>
             <a:fld id="{2E2195D6-B44F-493C-B391-BC155DD34AAC}" type="datetime1">
               <a:rPr lang="pt-BR" smtClean="0"/>
+              <a:pPr/>
               <a:t>19/01/2024</a:t>
             </a:fld>
             <a:endParaRPr lang="pt-BR"/>
@@ -2128,6 +2136,7 @@
           <a:p>
             <a:fld id="{58004F7D-642A-443A-8147-D18E3798F2B7}" type="datetime1">
               <a:rPr lang="pt-BR" smtClean="0"/>
+              <a:pPr/>
               <a:t>19/01/2024</a:t>
             </a:fld>
             <a:endParaRPr lang="pt-BR"/>
@@ -2246,6 +2255,7 @@
           <a:p>
             <a:fld id="{7BE5CF61-B8C1-4878-B7D3-3545C66D5933}" type="datetime1">
               <a:rPr lang="pt-BR" smtClean="0"/>
+              <a:pPr/>
               <a:t>19/01/2024</a:t>
             </a:fld>
             <a:endParaRPr lang="pt-BR"/>
@@ -2341,6 +2351,7 @@
           <a:p>
             <a:fld id="{347B5371-5CCD-497D-9DF7-E8638BC13A24}" type="datetime1">
               <a:rPr lang="pt-BR" smtClean="0"/>
+              <a:pPr/>
               <a:t>19/01/2024</a:t>
             </a:fld>
             <a:endParaRPr lang="pt-BR"/>
@@ -2618,6 +2629,7 @@
           <a:p>
             <a:fld id="{90BA704B-B594-4F28-99C9-C5B9BF822912}" type="datetime1">
               <a:rPr lang="pt-BR" smtClean="0"/>
+              <a:pPr/>
               <a:t>19/01/2024</a:t>
             </a:fld>
             <a:endParaRPr lang="pt-BR"/>
@@ -2871,6 +2883,7 @@
           <a:p>
             <a:fld id="{CD88C341-F25A-417D-9EAA-D471535B3BD4}" type="datetime1">
               <a:rPr lang="pt-BR" smtClean="0"/>
+              <a:pPr/>
               <a:t>19/01/2024</a:t>
             </a:fld>
             <a:endParaRPr lang="pt-BR"/>
@@ -3084,6 +3097,7 @@
           <a:p>
             <a:fld id="{A7D5F3B8-3745-4E9F-8B2F-CCCADFA31DC4}" type="datetime1">
               <a:rPr lang="pt-BR" smtClean="0"/>
+              <a:pPr/>
               <a:t>19/01/2024</a:t>
             </a:fld>
             <a:endParaRPr lang="pt-BR"/>
@@ -3942,12 +3956,12 @@
               <a:t>Esse conteúdo foi gerado com fins </a:t>
             </a:r>
             <a:r>
-              <a:rPr lang="pt-BR" sz="2400" dirty="0" err="1" smtClean="0"/>
-              <a:t>disáticos</a:t>
-            </a:r>
-            <a:r>
               <a:rPr lang="pt-BR" sz="2400" dirty="0" smtClean="0"/>
-              <a:t> de construção, não foi realizado uma validação cuidadosa humana no conteúdo e pode correr erros gerados por uma IA.</a:t>
+              <a:t>didáticos </a:t>
+            </a:r>
+            <a:r>
+              <a:rPr lang="pt-BR" sz="2400" dirty="0" smtClean="0"/>
+              <a:t>de construção, não foi realizado uma validação cuidadosa humana no conteúdo e pode correr erros gerados por uma IA.</a:t>
             </a:r>
           </a:p>
         </p:txBody>
